--- a/Attempt.pptx
+++ b/Attempt.pptx
@@ -5382,7 +5382,7 @@
         <p:spPr>
           <a:xfrm>
             <a:off x="731520" y="844805"/>
-            <a:ext cx="8811873" cy="3450175"/>
+            <a:ext cx="8811873" cy="4351961"/>
           </a:xfrm>
           <a:prstGeom prst="rect">
             <a:avLst/>
@@ -5473,6 +5473,51 @@
             <a:r>
               <a:rPr lang="en-US" dirty="0"/>
               <a:t>If we validate that Jurong East -&gt; Dover is longer than Clementi -&gt; Dover, we can be sure that Jurong East is the other direction Jurong East &lt;- Clementi -&gt; Dover</a:t>
+            </a:r>
+          </a:p>
+          <a:p>
+            <a:pPr indent="-228600">
+              <a:lnSpc>
+                <a:spcPct val="90000"/>
+              </a:lnSpc>
+              <a:spcAft>
+                <a:spcPts val="600"/>
+              </a:spcAft>
+              <a:buFont typeface="Arial" panose="020B0604020202020204" pitchFamily="34" charset="0"/>
+              <a:buChar char="•"/>
+            </a:pPr>
+            <a:endParaRPr lang="en-US" dirty="0"/>
+          </a:p>
+          <a:p>
+            <a:pPr indent="-228600">
+              <a:lnSpc>
+                <a:spcPct val="90000"/>
+              </a:lnSpc>
+              <a:spcAft>
+                <a:spcPts val="600"/>
+              </a:spcAft>
+              <a:buFont typeface="Arial" panose="020B0604020202020204" pitchFamily="34" charset="0"/>
+              <a:buChar char="•"/>
+            </a:pPr>
+            <a:r>
+              <a:rPr lang="en-US" dirty="0"/>
+              <a:t>We then also have to take account of the transit lines, such </a:t>
+            </a:r>
+            <a:r>
+              <a:rPr lang="en-US"/>
+              <a:t>as </a:t>
+            </a:r>
+            <a:r>
+              <a:rPr lang="en-US" dirty="0"/>
+              <a:t>B</a:t>
+            </a:r>
+            <a:r>
+              <a:rPr lang="en-US"/>
+              <a:t>ishan </a:t>
+            </a:r>
+            <a:r>
+              <a:rPr lang="en-US" dirty="0"/>
+              <a:t>circle line and Jurong east where they are able to switch lines.</a:t>
             </a:r>
           </a:p>
           <a:p>
